--- a/Presentations/1.3 JD+ and R.pptx
+++ b/Presentations/1.3 JD+ and R.pptx
@@ -5,7 +5,7 @@
     <p:sldMasterId id="2147483648" r:id="rId1"/>
   </p:sldMasterIdLst>
   <p:notesMasterIdLst>
-    <p:notesMasterId r:id="rId12"/>
+    <p:notesMasterId r:id="rId13"/>
   </p:notesMasterIdLst>
   <p:sldIdLst>
     <p:sldId id="278" r:id="rId2"/>
@@ -16,8 +16,9 @@
     <p:sldId id="259" r:id="rId7"/>
     <p:sldId id="280" r:id="rId8"/>
     <p:sldId id="281" r:id="rId9"/>
-    <p:sldId id="282" r:id="rId10"/>
-    <p:sldId id="283" r:id="rId11"/>
+    <p:sldId id="284" r:id="rId10"/>
+    <p:sldId id="282" r:id="rId11"/>
+    <p:sldId id="283" r:id="rId12"/>
   </p:sldIdLst>
   <p:sldSz cx="12192000" cy="6858000"/>
   <p:notesSz cx="6858000" cy="9144000"/>
@@ -623,7 +624,7 @@
           <a:p>
             <a:fld id="{C00A79F7-9B28-4F30-91A8-0846D612BC3E}" type="datetimeFigureOut">
               <a:rPr lang="en-GB" smtClean="0"/>
-              <a:t>30/09/2024</a:t>
+              <a:t>07/10/2024</a:t>
             </a:fld>
             <a:endParaRPr lang="en-GB"/>
           </a:p>
@@ -4798,6 +4799,269 @@
 </file>
 
 <file path=ppt/slides/slide10.xml><?xml version="1.0" encoding="utf-8"?>
+<p:sld xmlns:a="http://schemas.openxmlformats.org/drawingml/2006/main" xmlns:r="http://schemas.openxmlformats.org/officeDocument/2006/relationships" xmlns:p="http://schemas.openxmlformats.org/presentationml/2006/main">
+  <p:cSld>
+    <p:spTree>
+      <p:nvGrpSpPr>
+        <p:cNvPr id="1" name=""/>
+        <p:cNvGrpSpPr/>
+        <p:nvPr/>
+      </p:nvGrpSpPr>
+      <p:grpSpPr>
+        <a:xfrm>
+          <a:off x="0" y="0"/>
+          <a:ext cx="0" cy="0"/>
+          <a:chOff x="0" y="0"/>
+          <a:chExt cx="0" cy="0"/>
+        </a:xfrm>
+      </p:grpSpPr>
+      <p:sp>
+        <p:nvSpPr>
+          <p:cNvPr id="2" name="Title 1">
+            <a:extLst>
+              <a:ext uri="{FF2B5EF4-FFF2-40B4-BE49-F238E27FC236}">
+                <a16:creationId xmlns:a16="http://schemas.microsoft.com/office/drawing/2014/main" id="{6E54EFB3-CBD2-3E08-5B44-B206908A8B19}"/>
+              </a:ext>
+            </a:extLst>
+          </p:cNvPr>
+          <p:cNvSpPr>
+            <a:spLocks noGrp="1"/>
+          </p:cNvSpPr>
+          <p:nvPr>
+            <p:ph type="title"/>
+          </p:nvPr>
+        </p:nvSpPr>
+        <p:spPr/>
+        <p:txBody>
+          <a:bodyPr/>
+          <a:lstStyle/>
+          <a:p>
+            <a:r>
+              <a:rPr lang="fr-BE" dirty="0"/>
+              <a:t>7. </a:t>
+            </a:r>
+            <a:r>
+              <a:rPr lang="fr-BE" dirty="0" err="1"/>
+              <a:t>Examples</a:t>
+            </a:r>
+            <a:endParaRPr lang="fr-BE" dirty="0"/>
+          </a:p>
+        </p:txBody>
+      </p:sp>
+      <p:sp>
+        <p:nvSpPr>
+          <p:cNvPr id="3" name="Content Placeholder 2">
+            <a:extLst>
+              <a:ext uri="{FF2B5EF4-FFF2-40B4-BE49-F238E27FC236}">
+                <a16:creationId xmlns:a16="http://schemas.microsoft.com/office/drawing/2014/main" id="{DABA9E25-9CF1-EF6E-A054-FE4682B8A8E9}"/>
+              </a:ext>
+            </a:extLst>
+          </p:cNvPr>
+          <p:cNvSpPr>
+            <a:spLocks noGrp="1"/>
+          </p:cNvSpPr>
+          <p:nvPr>
+            <p:ph idx="1"/>
+          </p:nvPr>
+        </p:nvSpPr>
+        <p:spPr>
+          <a:xfrm>
+            <a:off x="838200" y="1447800"/>
+            <a:ext cx="10515600" cy="4729163"/>
+          </a:xfrm>
+        </p:spPr>
+        <p:txBody>
+          <a:bodyPr/>
+          <a:lstStyle/>
+          <a:p>
+            <a:r>
+              <a:rPr lang="fr-BE" sz="2400" dirty="0"/>
+              <a:t>Reading Excel files (JD+-like) and </a:t>
+            </a:r>
+            <a:r>
+              <a:rPr lang="fr-BE" sz="2400" dirty="0" err="1"/>
+              <a:t>detecting</a:t>
+            </a:r>
+            <a:r>
+              <a:rPr lang="fr-BE" sz="2400" dirty="0"/>
+              <a:t> </a:t>
+            </a:r>
+            <a:r>
+              <a:rPr lang="fr-BE" sz="2400" dirty="0" err="1"/>
+              <a:t>errors</a:t>
+            </a:r>
+            <a:endParaRPr lang="fr-BE" sz="2400" dirty="0"/>
+          </a:p>
+          <a:p>
+            <a:endParaRPr lang="fr-BE" sz="2400" dirty="0"/>
+          </a:p>
+          <a:p>
+            <a:endParaRPr lang="fr-BE" dirty="0"/>
+          </a:p>
+          <a:p>
+            <a:endParaRPr lang="fr-BE" dirty="0"/>
+          </a:p>
+          <a:p>
+            <a:r>
+              <a:rPr lang="fr-BE" sz="2400" dirty="0" err="1"/>
+              <a:t>Refreshing</a:t>
+            </a:r>
+            <a:r>
+              <a:rPr lang="fr-BE" sz="2400" dirty="0"/>
+              <a:t> a </a:t>
+            </a:r>
+            <a:r>
+              <a:rPr lang="fr-BE" sz="2400" dirty="0" err="1"/>
+              <a:t>workspace</a:t>
+            </a:r>
+            <a:endParaRPr lang="fr-BE" sz="2400" dirty="0"/>
+          </a:p>
+          <a:p>
+            <a:endParaRPr lang="fr-BE" dirty="0"/>
+          </a:p>
+        </p:txBody>
+      </p:sp>
+      <p:sp>
+        <p:nvSpPr>
+          <p:cNvPr id="4" name="Date Placeholder 3">
+            <a:extLst>
+              <a:ext uri="{FF2B5EF4-FFF2-40B4-BE49-F238E27FC236}">
+                <a16:creationId xmlns:a16="http://schemas.microsoft.com/office/drawing/2014/main" id="{1DCF8EFC-4B39-D2B9-22A1-E35926BEF1F2}"/>
+              </a:ext>
+            </a:extLst>
+          </p:cNvPr>
+          <p:cNvSpPr>
+            <a:spLocks noGrp="1"/>
+          </p:cNvSpPr>
+          <p:nvPr>
+            <p:ph type="dt" sz="half" idx="10"/>
+          </p:nvPr>
+        </p:nvSpPr>
+        <p:spPr/>
+        <p:txBody>
+          <a:bodyPr/>
+          <a:lstStyle/>
+          <a:p>
+            <a:r>
+              <a:rPr lang="en-US"/>
+              <a:t>15-17/10/2024</a:t>
+            </a:r>
+            <a:endParaRPr lang="en-GB"/>
+          </a:p>
+        </p:txBody>
+      </p:sp>
+      <p:sp>
+        <p:nvSpPr>
+          <p:cNvPr id="5" name="Footer Placeholder 4">
+            <a:extLst>
+              <a:ext uri="{FF2B5EF4-FFF2-40B4-BE49-F238E27FC236}">
+                <a16:creationId xmlns:a16="http://schemas.microsoft.com/office/drawing/2014/main" id="{481F5EE1-E1BE-04C2-C53E-B41668C54785}"/>
+              </a:ext>
+            </a:extLst>
+          </p:cNvPr>
+          <p:cNvSpPr>
+            <a:spLocks noGrp="1"/>
+          </p:cNvSpPr>
+          <p:nvPr>
+            <p:ph type="ftr" sz="quarter" idx="11"/>
+          </p:nvPr>
+        </p:nvSpPr>
+        <p:spPr/>
+        <p:txBody>
+          <a:bodyPr/>
+          <a:lstStyle/>
+          <a:p>
+            <a:r>
+              <a:rPr lang="en-GB"/>
+              <a:t>CONTRACTORS ORGANISING SOME OF THE COURSES ARE ACTING UNDER A FRAMEWORK CONTRACT CONCLUDED WITH THE COMMISSION</a:t>
+            </a:r>
+          </a:p>
+        </p:txBody>
+      </p:sp>
+      <p:pic>
+        <p:nvPicPr>
+          <p:cNvPr id="7" name="Picture 6">
+            <a:extLst>
+              <a:ext uri="{FF2B5EF4-FFF2-40B4-BE49-F238E27FC236}">
+                <a16:creationId xmlns:a16="http://schemas.microsoft.com/office/drawing/2014/main" id="{D0D90FC0-93EB-14C5-77CB-FC990AA5B6BE}"/>
+              </a:ext>
+            </a:extLst>
+          </p:cNvPr>
+          <p:cNvPicPr>
+            <a:picLocks noChangeAspect="1"/>
+          </p:cNvPicPr>
+          <p:nvPr/>
+        </p:nvPicPr>
+        <p:blipFill>
+          <a:blip r:embed="rId2"/>
+          <a:stretch>
+            <a:fillRect/>
+          </a:stretch>
+        </p:blipFill>
+        <p:spPr>
+          <a:xfrm>
+            <a:off x="1196927" y="1870074"/>
+            <a:ext cx="8181135" cy="1558925"/>
+          </a:xfrm>
+          <a:prstGeom prst="rect">
+            <a:avLst/>
+          </a:prstGeom>
+          <a:ln>
+            <a:solidFill>
+              <a:schemeClr val="tx1"/>
+            </a:solidFill>
+          </a:ln>
+        </p:spPr>
+      </p:pic>
+      <p:pic>
+        <p:nvPicPr>
+          <p:cNvPr id="13" name="Picture 12">
+            <a:extLst>
+              <a:ext uri="{FF2B5EF4-FFF2-40B4-BE49-F238E27FC236}">
+                <a16:creationId xmlns:a16="http://schemas.microsoft.com/office/drawing/2014/main" id="{CAECC140-1613-1821-0CC9-CB2AA63D6CA1}"/>
+              </a:ext>
+            </a:extLst>
+          </p:cNvPr>
+          <p:cNvPicPr>
+            <a:picLocks noChangeAspect="1"/>
+          </p:cNvPicPr>
+          <p:nvPr/>
+        </p:nvPicPr>
+        <p:blipFill>
+          <a:blip r:embed="rId3"/>
+          <a:stretch>
+            <a:fillRect/>
+          </a:stretch>
+        </p:blipFill>
+        <p:spPr>
+          <a:xfrm>
+            <a:off x="1196927" y="3812381"/>
+            <a:ext cx="8186918" cy="2364582"/>
+          </a:xfrm>
+          <a:prstGeom prst="rect">
+            <a:avLst/>
+          </a:prstGeom>
+          <a:ln>
+            <a:solidFill>
+              <a:schemeClr val="tx1"/>
+            </a:solidFill>
+          </a:ln>
+        </p:spPr>
+      </p:pic>
+    </p:spTree>
+    <p:extLst>
+      <p:ext uri="{BB962C8B-B14F-4D97-AF65-F5344CB8AC3E}">
+        <p14:creationId xmlns:p14="http://schemas.microsoft.com/office/powerpoint/2010/main" val="3127807312"/>
+      </p:ext>
+    </p:extLst>
+  </p:cSld>
+  <p:clrMapOvr>
+    <a:masterClrMapping/>
+  </p:clrMapOvr>
+</p:sld>
+</file>
+
+<file path=ppt/slides/slide11.xml><?xml version="1.0" encoding="utf-8"?>
 <p:sld xmlns:a="http://schemas.openxmlformats.org/drawingml/2006/main" xmlns:r="http://schemas.openxmlformats.org/officeDocument/2006/relationships" xmlns:p="http://schemas.openxmlformats.org/presentationml/2006/main">
   <p:cSld>
     <p:spTree>
@@ -11039,11 +11303,34 @@
           <a:p>
             <a:pPr lvl="1"/>
             <a:r>
+              <a:rPr lang="fr-BE" dirty="0"/>
+              <a:t># </a:t>
+            </a:r>
+            <a:r>
+              <a:rPr lang="fr-BE" dirty="0" err="1"/>
+              <a:t>install.packages</a:t>
+            </a:r>
+            <a:r>
+              <a:rPr lang="fr-BE" dirty="0"/>
+              <a:t>("</a:t>
+            </a:r>
+            <a:r>
               <a:rPr lang="fr-BE" dirty="0" err="1"/>
               <a:t>remotes</a:t>
             </a:r>
             <a:r>
               <a:rPr lang="fr-BE" dirty="0"/>
+              <a:t>")</a:t>
+            </a:r>
+          </a:p>
+          <a:p>
+            <a:pPr lvl="1"/>
+            <a:r>
+              <a:rPr lang="fr-BE" dirty="0" err="1"/>
+              <a:t>remotes</a:t>
+            </a:r>
+            <a:r>
+              <a:rPr lang="fr-BE" dirty="0"/>
               <a:t>::</a:t>
             </a:r>
             <a:r>
@@ -11056,31 +11343,11 @@
             </a:r>
             <a:r>
               <a:rPr lang="fr-BE" dirty="0" err="1"/>
-              <a:t>rjdemetra</a:t>
-            </a:r>
-            <a:r>
-              <a:rPr lang="fr-BE"/>
-              <a:t>/rjd3toolkit", </a:t>
+              <a:t>rjdverse</a:t>
             </a:r>
             <a:r>
               <a:rPr lang="fr-BE" dirty="0"/>
-              <a:t>"main", </a:t>
-            </a:r>
-            <a:r>
-              <a:rPr lang="fr-BE" dirty="0" err="1"/>
-              <a:t>INSTALL_opts</a:t>
-            </a:r>
-            <a:r>
-              <a:rPr lang="fr-BE" dirty="0"/>
-              <a:t>='--no-</a:t>
-            </a:r>
-            <a:r>
-              <a:rPr lang="fr-BE" dirty="0" err="1"/>
-              <a:t>multiarch</a:t>
-            </a:r>
-            <a:r>
-              <a:rPr lang="fr-BE" dirty="0"/>
-              <a:t>')…</a:t>
+              <a:t>/rjd3toolkit@*release")</a:t>
             </a:r>
           </a:p>
         </p:txBody>
@@ -11234,10 +11501,10 @@
       </p:grpSpPr>
       <p:sp>
         <p:nvSpPr>
-          <p:cNvPr id="2" name="Title 1">
-            <a:extLst>
-              <a:ext uri="{FF2B5EF4-FFF2-40B4-BE49-F238E27FC236}">
-                <a16:creationId xmlns:a16="http://schemas.microsoft.com/office/drawing/2014/main" id="{6E54EFB3-CBD2-3E08-5B44-B206908A8B19}"/>
+          <p:cNvPr id="2" name="Titre 1">
+            <a:extLst>
+              <a:ext uri="{FF2B5EF4-FFF2-40B4-BE49-F238E27FC236}">
+                <a16:creationId xmlns:a16="http://schemas.microsoft.com/office/drawing/2014/main" id="{3255C743-A837-68FB-BEB2-A0B3CC81FA06}"/>
               </a:ext>
             </a:extLst>
           </p:cNvPr>
@@ -11255,22 +11522,34 @@
           <a:p>
             <a:r>
               <a:rPr lang="fr-BE" dirty="0"/>
-              <a:t>7. </a:t>
+              <a:t>6. </a:t>
             </a:r>
             <a:r>
               <a:rPr lang="fr-BE" dirty="0" err="1"/>
-              <a:t>Examples</a:t>
-            </a:r>
-            <a:endParaRPr lang="fr-BE" dirty="0"/>
-          </a:p>
-        </p:txBody>
-      </p:sp>
-      <p:sp>
-        <p:nvSpPr>
-          <p:cNvPr id="3" name="Content Placeholder 2">
-            <a:extLst>
-              <a:ext uri="{FF2B5EF4-FFF2-40B4-BE49-F238E27FC236}">
-                <a16:creationId xmlns:a16="http://schemas.microsoft.com/office/drawing/2014/main" id="{DABA9E25-9CF1-EF6E-A054-FE4682B8A8E9}"/>
+              <a:t>Installing</a:t>
+            </a:r>
+            <a:r>
+              <a:rPr lang="fr-BE" dirty="0"/>
+              <a:t> the packages (</a:t>
+            </a:r>
+            <a:r>
+              <a:rPr lang="fr-BE" dirty="0" err="1"/>
+              <a:t>cont</a:t>
+            </a:r>
+            <a:r>
+              <a:rPr lang="fr-BE" dirty="0"/>
+              <a:t>)</a:t>
+            </a:r>
+            <a:endParaRPr lang="en-GB" dirty="0"/>
+          </a:p>
+        </p:txBody>
+      </p:sp>
+      <p:sp>
+        <p:nvSpPr>
+          <p:cNvPr id="3" name="Espace réservé du contenu 2">
+            <a:extLst>
+              <a:ext uri="{FF2B5EF4-FFF2-40B4-BE49-F238E27FC236}">
+                <a16:creationId xmlns:a16="http://schemas.microsoft.com/office/drawing/2014/main" id="{C0FEE72D-C9D0-21BD-05D9-74FFAC7C7934}"/>
               </a:ext>
             </a:extLst>
           </p:cNvPr>
@@ -11281,69 +11560,249 @@
             <p:ph idx="1"/>
           </p:nvPr>
         </p:nvSpPr>
-        <p:spPr>
-          <a:xfrm>
-            <a:off x="838200" y="1447800"/>
-            <a:ext cx="10515600" cy="4729163"/>
-          </a:xfrm>
-        </p:spPr>
-        <p:txBody>
-          <a:bodyPr/>
-          <a:lstStyle/>
-          <a:p>
-            <a:r>
-              <a:rPr lang="fr-BE" sz="2400" dirty="0"/>
-              <a:t>Reading Excel files (JD+-like) and </a:t>
-            </a:r>
-            <a:r>
-              <a:rPr lang="fr-BE" sz="2400" dirty="0" err="1"/>
-              <a:t>detecting</a:t>
-            </a:r>
-            <a:r>
-              <a:rPr lang="fr-BE" sz="2400" dirty="0"/>
-              <a:t> </a:t>
-            </a:r>
-            <a:r>
-              <a:rPr lang="fr-BE" sz="2400" dirty="0" err="1"/>
-              <a:t>errors</a:t>
-            </a:r>
-            <a:endParaRPr lang="fr-BE" sz="2400" dirty="0"/>
-          </a:p>
-          <a:p>
-            <a:endParaRPr lang="fr-BE" sz="2400" dirty="0"/>
+        <p:spPr/>
+        <p:txBody>
+          <a:bodyPr>
+            <a:normAutofit lnSpcReduction="10000"/>
+          </a:bodyPr>
+          <a:lstStyle/>
+          <a:p>
+            <a:r>
+              <a:rPr lang="fr-BE" b="1" dirty="0" err="1"/>
+              <a:t>remotes</a:t>
+            </a:r>
+            <a:r>
+              <a:rPr lang="fr-BE" b="1" dirty="0"/>
+              <a:t>::</a:t>
+            </a:r>
+            <a:r>
+              <a:rPr lang="fr-BE" b="1" dirty="0" err="1"/>
+              <a:t>install_github</a:t>
+            </a:r>
+            <a:r>
+              <a:rPr lang="fr-BE" b="1" dirty="0"/>
+              <a:t>("</a:t>
+            </a:r>
+            <a:r>
+              <a:rPr lang="fr-BE" b="1" dirty="0" err="1"/>
+              <a:t>rjdverse</a:t>
+            </a:r>
+            <a:r>
+              <a:rPr lang="fr-BE" b="1" dirty="0"/>
+              <a:t>/rjd3tramoseats@*release")</a:t>
+            </a:r>
+          </a:p>
+          <a:p>
+            <a:r>
+              <a:rPr lang="fr-BE" b="1" dirty="0" err="1"/>
+              <a:t>remotes</a:t>
+            </a:r>
+            <a:r>
+              <a:rPr lang="fr-BE" b="1" dirty="0"/>
+              <a:t>::</a:t>
+            </a:r>
+            <a:r>
+              <a:rPr lang="fr-BE" b="1" dirty="0" err="1"/>
+              <a:t>install_github</a:t>
+            </a:r>
+            <a:r>
+              <a:rPr lang="fr-BE" b="1" dirty="0"/>
+              <a:t>("</a:t>
+            </a:r>
+            <a:r>
+              <a:rPr lang="fr-BE" b="1" dirty="0" err="1"/>
+              <a:t>rjdverse</a:t>
+            </a:r>
+            <a:r>
+              <a:rPr lang="fr-BE" b="1" dirty="0"/>
+              <a:t>/rjd3x13@*release")</a:t>
+            </a:r>
+          </a:p>
+          <a:p>
+            <a:r>
+              <a:rPr lang="fr-BE" dirty="0" err="1"/>
+              <a:t>remotes</a:t>
+            </a:r>
+            <a:r>
+              <a:rPr lang="fr-BE" dirty="0"/>
+              <a:t>::</a:t>
+            </a:r>
+            <a:r>
+              <a:rPr lang="fr-BE" dirty="0" err="1"/>
+              <a:t>install_github</a:t>
+            </a:r>
+            <a:r>
+              <a:rPr lang="fr-BE" dirty="0"/>
+              <a:t>("</a:t>
+            </a:r>
+            <a:r>
+              <a:rPr lang="fr-BE" dirty="0" err="1"/>
+              <a:t>rjdverse</a:t>
+            </a:r>
+            <a:r>
+              <a:rPr lang="fr-BE" dirty="0"/>
+              <a:t>/rjd3providers@*release")</a:t>
+            </a:r>
+          </a:p>
+          <a:p>
+            <a:r>
+              <a:rPr lang="fr-BE" dirty="0" err="1"/>
+              <a:t>remotes</a:t>
+            </a:r>
+            <a:r>
+              <a:rPr lang="fr-BE" dirty="0"/>
+              <a:t>::</a:t>
+            </a:r>
+            <a:r>
+              <a:rPr lang="fr-BE" dirty="0" err="1"/>
+              <a:t>install_github</a:t>
+            </a:r>
+            <a:r>
+              <a:rPr lang="fr-BE" dirty="0"/>
+              <a:t>("</a:t>
+            </a:r>
+            <a:r>
+              <a:rPr lang="fr-BE" dirty="0" err="1"/>
+              <a:t>rjdverse</a:t>
+            </a:r>
+            <a:r>
+              <a:rPr lang="fr-BE" dirty="0"/>
+              <a:t>/rjd3workspace@*release")</a:t>
+            </a:r>
           </a:p>
           <a:p>
             <a:endParaRPr lang="fr-BE" dirty="0"/>
           </a:p>
           <a:p>
+            <a:r>
+              <a:rPr lang="fr-BE" i="1" dirty="0" err="1"/>
+              <a:t>remotes</a:t>
+            </a:r>
+            <a:r>
+              <a:rPr lang="fr-BE" i="1" dirty="0"/>
+              <a:t>::</a:t>
+            </a:r>
+            <a:r>
+              <a:rPr lang="fr-BE" i="1" dirty="0" err="1"/>
+              <a:t>install_github</a:t>
+            </a:r>
+            <a:r>
+              <a:rPr lang="fr-BE" i="1" dirty="0"/>
+              <a:t>("</a:t>
+            </a:r>
+            <a:r>
+              <a:rPr lang="fr-BE" i="1" dirty="0" err="1"/>
+              <a:t>rjdverse</a:t>
+            </a:r>
+            <a:r>
+              <a:rPr lang="fr-BE" i="1" dirty="0"/>
+              <a:t>/rjd3filters@*release")</a:t>
+            </a:r>
+          </a:p>
+          <a:p>
+            <a:r>
+              <a:rPr lang="fr-BE" i="1" dirty="0" err="1"/>
+              <a:t>remotes</a:t>
+            </a:r>
+            <a:r>
+              <a:rPr lang="fr-BE" i="1" dirty="0"/>
+              <a:t>::</a:t>
+            </a:r>
+            <a:r>
+              <a:rPr lang="fr-BE" i="1" dirty="0" err="1"/>
+              <a:t>install_github</a:t>
+            </a:r>
+            <a:r>
+              <a:rPr lang="fr-BE" i="1" dirty="0"/>
+              <a:t>("</a:t>
+            </a:r>
+            <a:r>
+              <a:rPr lang="fr-BE" i="1" dirty="0" err="1"/>
+              <a:t>rjdverse</a:t>
+            </a:r>
+            <a:r>
+              <a:rPr lang="fr-BE" i="1" dirty="0"/>
+              <a:t>/rjd3sts@*release")</a:t>
+            </a:r>
+          </a:p>
+          <a:p>
+            <a:r>
+              <a:rPr lang="fr-BE" i="1" dirty="0" err="1"/>
+              <a:t>remotes</a:t>
+            </a:r>
+            <a:r>
+              <a:rPr lang="fr-BE" i="1" dirty="0"/>
+              <a:t>::</a:t>
+            </a:r>
+            <a:r>
+              <a:rPr lang="fr-BE" i="1" dirty="0" err="1"/>
+              <a:t>install_github</a:t>
+            </a:r>
+            <a:r>
+              <a:rPr lang="fr-BE" i="1" dirty="0"/>
+              <a:t>("</a:t>
+            </a:r>
+            <a:r>
+              <a:rPr lang="fr-BE" i="1" dirty="0" err="1"/>
+              <a:t>rjdverse</a:t>
+            </a:r>
+            <a:r>
+              <a:rPr lang="fr-BE" i="1" dirty="0"/>
+              <a:t>/rjd3highfreq@*release")</a:t>
+            </a:r>
+          </a:p>
+          <a:p>
+            <a:r>
+              <a:rPr lang="fr-BE" i="1" dirty="0" err="1"/>
+              <a:t>remotes</a:t>
+            </a:r>
+            <a:r>
+              <a:rPr lang="fr-BE" i="1" dirty="0"/>
+              <a:t>::</a:t>
+            </a:r>
+            <a:r>
+              <a:rPr lang="fr-BE" i="1" dirty="0" err="1"/>
+              <a:t>install_github</a:t>
+            </a:r>
+            <a:r>
+              <a:rPr lang="fr-BE" i="1" dirty="0"/>
+              <a:t>("</a:t>
+            </a:r>
+            <a:r>
+              <a:rPr lang="fr-BE" i="1" dirty="0" err="1"/>
+              <a:t>rjdverse</a:t>
+            </a:r>
+            <a:r>
+              <a:rPr lang="fr-BE" i="1" dirty="0"/>
+              <a:t>/rjd3x11plus@*release")</a:t>
+            </a:r>
+          </a:p>
+          <a:p>
             <a:endParaRPr lang="fr-BE" dirty="0"/>
           </a:p>
           <a:p>
-            <a:r>
-              <a:rPr lang="fr-BE" sz="2400" dirty="0" err="1"/>
-              <a:t>Refreshing</a:t>
-            </a:r>
-            <a:r>
-              <a:rPr lang="fr-BE" sz="2400" dirty="0"/>
-              <a:t> a </a:t>
-            </a:r>
-            <a:r>
-              <a:rPr lang="fr-BE" sz="2400" dirty="0" err="1"/>
-              <a:t>workspace</a:t>
-            </a:r>
-            <a:endParaRPr lang="fr-BE" sz="2400" dirty="0"/>
-          </a:p>
-          <a:p>
             <a:endParaRPr lang="fr-BE" dirty="0"/>
           </a:p>
-        </p:txBody>
-      </p:sp>
-      <p:sp>
-        <p:nvSpPr>
-          <p:cNvPr id="4" name="Date Placeholder 3">
-            <a:extLst>
-              <a:ext uri="{FF2B5EF4-FFF2-40B4-BE49-F238E27FC236}">
-                <a16:creationId xmlns:a16="http://schemas.microsoft.com/office/drawing/2014/main" id="{1DCF8EFC-4B39-D2B9-22A1-E35926BEF1F2}"/>
+          <a:p>
+            <a:endParaRPr lang="fr-BE" dirty="0"/>
+          </a:p>
+          <a:p>
+            <a:endParaRPr lang="fr-BE" dirty="0"/>
+          </a:p>
+          <a:p>
+            <a:endParaRPr lang="fr-BE" dirty="0"/>
+          </a:p>
+          <a:p>
+            <a:endParaRPr lang="en-GB" dirty="0"/>
+          </a:p>
+        </p:txBody>
+      </p:sp>
+      <p:sp>
+        <p:nvSpPr>
+          <p:cNvPr id="4" name="Espace réservé de la date 3">
+            <a:extLst>
+              <a:ext uri="{FF2B5EF4-FFF2-40B4-BE49-F238E27FC236}">
+                <a16:creationId xmlns:a16="http://schemas.microsoft.com/office/drawing/2014/main" id="{279493A9-27A7-7131-05D6-C3E4A52EE8D2}"/>
               </a:ext>
             </a:extLst>
           </p:cNvPr>
@@ -11369,10 +11828,10 @@
       </p:sp>
       <p:sp>
         <p:nvSpPr>
-          <p:cNvPr id="5" name="Footer Placeholder 4">
-            <a:extLst>
-              <a:ext uri="{FF2B5EF4-FFF2-40B4-BE49-F238E27FC236}">
-                <a16:creationId xmlns:a16="http://schemas.microsoft.com/office/drawing/2014/main" id="{481F5EE1-E1BE-04C2-C53E-B41668C54785}"/>
+          <p:cNvPr id="5" name="Espace réservé du pied de page 4">
+            <a:extLst>
+              <a:ext uri="{FF2B5EF4-FFF2-40B4-BE49-F238E27FC236}">
+                <a16:creationId xmlns:a16="http://schemas.microsoft.com/office/drawing/2014/main" id="{3BEED4E9-C21F-1ED3-0AB0-19EB0A2A2E86}"/>
               </a:ext>
             </a:extLst>
           </p:cNvPr>
@@ -11395,80 +11854,10 @@
           </a:p>
         </p:txBody>
       </p:sp>
-      <p:pic>
-        <p:nvPicPr>
-          <p:cNvPr id="7" name="Picture 6">
-            <a:extLst>
-              <a:ext uri="{FF2B5EF4-FFF2-40B4-BE49-F238E27FC236}">
-                <a16:creationId xmlns:a16="http://schemas.microsoft.com/office/drawing/2014/main" id="{D0D90FC0-93EB-14C5-77CB-FC990AA5B6BE}"/>
-              </a:ext>
-            </a:extLst>
-          </p:cNvPr>
-          <p:cNvPicPr>
-            <a:picLocks noChangeAspect="1"/>
-          </p:cNvPicPr>
-          <p:nvPr/>
-        </p:nvPicPr>
-        <p:blipFill>
-          <a:blip r:embed="rId2"/>
-          <a:stretch>
-            <a:fillRect/>
-          </a:stretch>
-        </p:blipFill>
-        <p:spPr>
-          <a:xfrm>
-            <a:off x="1196927" y="1870074"/>
-            <a:ext cx="8181135" cy="1558925"/>
-          </a:xfrm>
-          <a:prstGeom prst="rect">
-            <a:avLst/>
-          </a:prstGeom>
-          <a:ln>
-            <a:solidFill>
-              <a:schemeClr val="tx1"/>
-            </a:solidFill>
-          </a:ln>
-        </p:spPr>
-      </p:pic>
-      <p:pic>
-        <p:nvPicPr>
-          <p:cNvPr id="13" name="Picture 12">
-            <a:extLst>
-              <a:ext uri="{FF2B5EF4-FFF2-40B4-BE49-F238E27FC236}">
-                <a16:creationId xmlns:a16="http://schemas.microsoft.com/office/drawing/2014/main" id="{CAECC140-1613-1821-0CC9-CB2AA63D6CA1}"/>
-              </a:ext>
-            </a:extLst>
-          </p:cNvPr>
-          <p:cNvPicPr>
-            <a:picLocks noChangeAspect="1"/>
-          </p:cNvPicPr>
-          <p:nvPr/>
-        </p:nvPicPr>
-        <p:blipFill>
-          <a:blip r:embed="rId3"/>
-          <a:stretch>
-            <a:fillRect/>
-          </a:stretch>
-        </p:blipFill>
-        <p:spPr>
-          <a:xfrm>
-            <a:off x="1196927" y="3812381"/>
-            <a:ext cx="8186918" cy="2364582"/>
-          </a:xfrm>
-          <a:prstGeom prst="rect">
-            <a:avLst/>
-          </a:prstGeom>
-          <a:ln>
-            <a:solidFill>
-              <a:schemeClr val="tx1"/>
-            </a:solidFill>
-          </a:ln>
-        </p:spPr>
-      </p:pic>
     </p:spTree>
     <p:extLst>
       <p:ext uri="{BB962C8B-B14F-4D97-AF65-F5344CB8AC3E}">
-        <p14:creationId xmlns:p14="http://schemas.microsoft.com/office/powerpoint/2010/main" val="3127807312"/>
+        <p14:creationId xmlns:p14="http://schemas.microsoft.com/office/powerpoint/2010/main" val="3368389567"/>
       </p:ext>
     </p:extLst>
   </p:cSld>

--- a/Presentations/1.3 JD+ and R.pptx
+++ b/Presentations/1.3 JD+ and R.pptx
@@ -624,7 +624,7 @@
           <a:p>
             <a:fld id="{C00A79F7-9B28-4F30-91A8-0846D612BC3E}" type="datetimeFigureOut">
               <a:rPr lang="en-GB" smtClean="0"/>
-              <a:t>07/10/2024</a:t>
+              <a:t>10/10/2024</a:t>
             </a:fld>
             <a:endParaRPr lang="en-GB"/>
           </a:p>
@@ -4689,8 +4689,13 @@
           <a:p>
             <a:r>
               <a:rPr lang="en-GB" dirty="0"/>
-              <a:t>JD+ and R</a:t>
-            </a:r>
+              <a:t>JD+ and R: </a:t>
+            </a:r>
+            <a:r>
+              <a:rPr lang="en-GB" b="1" dirty="0" err="1"/>
+              <a:t>rjdverse</a:t>
+            </a:r>
+            <a:endParaRPr lang="en-GB" b="1" dirty="0"/>
           </a:p>
         </p:txBody>
       </p:sp>
@@ -5436,7 +5441,7 @@
           <a:p>
             <a:r>
               <a:rPr lang="pt-BR" dirty="0"/>
-              <a:t>RJDemetra3</a:t>
+              <a:t>rjdverse</a:t>
             </a:r>
           </a:p>
           <a:p>
@@ -5592,7 +5597,7 @@
           <a:p>
             <a:r>
               <a:rPr lang="en-GB" dirty="0"/>
-              <a:t>2. Technical design (</a:t>
+              <a:t>2. Technical design of </a:t>
             </a:r>
             <a:r>
               <a:rPr lang="en-GB" dirty="0" err="1"/>
@@ -5600,7 +5605,7 @@
             </a:r>
             <a:r>
               <a:rPr lang="en-GB" dirty="0"/>
-              <a:t>)</a:t>
+              <a:t> (v2)</a:t>
             </a:r>
             <a:endParaRPr lang="fr-BE" dirty="0"/>
           </a:p>
@@ -7290,7 +7295,15 @@
           <a:p>
             <a:r>
               <a:rPr lang="en-GB" dirty="0"/>
-              <a:t>3. Technical design (Rjdemetra3)</a:t>
+              <a:t>3. Technical design of </a:t>
+            </a:r>
+            <a:r>
+              <a:rPr lang="en-GB" dirty="0" err="1"/>
+              <a:t>rjdverse</a:t>
+            </a:r>
+            <a:r>
+              <a:rPr lang="en-GB" dirty="0"/>
+              <a:t> (v3)</a:t>
             </a:r>
             <a:endParaRPr lang="fr-BE" dirty="0"/>
           </a:p>
@@ -8767,7 +8780,15 @@
           <a:p>
             <a:r>
               <a:rPr lang="en-GB" dirty="0"/>
-              <a:t>4. Rjdemetra3: Overview </a:t>
+              <a:t>4. </a:t>
+            </a:r>
+            <a:r>
+              <a:rPr lang="en-GB" dirty="0" err="1"/>
+              <a:t>rjdverse</a:t>
+            </a:r>
+            <a:r>
+              <a:rPr lang="en-GB" dirty="0"/>
+              <a:t>: Overview </a:t>
             </a:r>
           </a:p>
         </p:txBody>
@@ -8870,7 +8891,7 @@
             <a:pPr algn="ctr"/>
             <a:r>
               <a:rPr lang="en-GB" dirty="0"/>
-              <a:t>RJDemetra3</a:t>
+              <a:t>rjd3workspace</a:t>
             </a:r>
           </a:p>
         </p:txBody>
@@ -8889,7 +8910,7 @@
         </p:nvSpPr>
         <p:spPr>
           <a:xfrm>
-            <a:off x="6738322" y="4303119"/>
+            <a:off x="9521676" y="4886078"/>
             <a:ext cx="2508308" cy="379602"/>
           </a:xfrm>
           <a:prstGeom prst="roundRect">
@@ -9054,19 +9075,17 @@
           <p:cNvCxnSpPr>
             <a:cxnSpLocks/>
             <a:stCxn id="37" idx="1"/>
-            <a:endCxn id="4" idx="3"/>
+            <a:endCxn id="4" idx="2"/>
           </p:cNvCxnSpPr>
           <p:nvPr/>
         </p:nvCxnSpPr>
         <p:spPr>
           <a:xfrm rot="10800000">
-            <a:off x="6229928" y="3131450"/>
-            <a:ext cx="508395" cy="1361470"/>
+            <a:off x="5387142" y="3623333"/>
+            <a:ext cx="4134534" cy="1452546"/>
           </a:xfrm>
-          <a:prstGeom prst="bentConnector3">
-            <a:avLst>
-              <a:gd name="adj1" fmla="val 50000"/>
-            </a:avLst>
+          <a:prstGeom prst="bentConnector2">
+            <a:avLst/>
           </a:prstGeom>
           <a:ln>
             <a:tailEnd type="triangle"/>
@@ -9101,7 +9120,7 @@
         </p:nvSpPr>
         <p:spPr>
           <a:xfrm>
-            <a:off x="9489437" y="3865209"/>
+            <a:off x="9521676" y="5479226"/>
             <a:ext cx="2508308" cy="379602"/>
           </a:xfrm>
           <a:prstGeom prst="roundRect">
@@ -9284,7 +9303,7 @@
         </p:nvSpPr>
         <p:spPr>
           <a:xfrm>
-            <a:off x="9489437" y="4724241"/>
+            <a:off x="9521676" y="5997218"/>
             <a:ext cx="2508308" cy="379602"/>
           </a:xfrm>
           <a:prstGeom prst="roundRect">
@@ -9345,7 +9364,7 @@
         </p:nvSpPr>
         <p:spPr>
           <a:xfrm>
-            <a:off x="3587690" y="4968964"/>
+            <a:off x="9521676" y="4325044"/>
             <a:ext cx="2508308" cy="379602"/>
           </a:xfrm>
           <a:prstGeom prst="roundRect">
@@ -9510,20 +9529,18 @@
           </p:cNvPr>
           <p:cNvCxnSpPr>
             <a:cxnSpLocks/>
-            <a:stCxn id="31" idx="0"/>
+            <a:stCxn id="31" idx="1"/>
             <a:endCxn id="4" idx="2"/>
           </p:cNvCxnSpPr>
           <p:nvPr/>
         </p:nvCxnSpPr>
         <p:spPr>
-          <a:xfrm rot="5400000" flipH="1" flipV="1">
-            <a:off x="4441678" y="4023500"/>
-            <a:ext cx="1345631" cy="545298"/>
+          <a:xfrm rot="10800000">
+            <a:off x="5387142" y="3623333"/>
+            <a:ext cx="4134534" cy="891512"/>
           </a:xfrm>
-          <a:prstGeom prst="bentConnector3">
-            <a:avLst>
-              <a:gd name="adj1" fmla="val 50000"/>
-            </a:avLst>
+          <a:prstGeom prst="bentConnector2">
+            <a:avLst/>
           </a:prstGeom>
           <a:ln>
             <a:tailEnd type="triangle"/>
@@ -9558,7 +9575,7 @@
         </p:nvSpPr>
         <p:spPr>
           <a:xfrm>
-            <a:off x="5736591" y="5538367"/>
+            <a:off x="1156779" y="5399798"/>
             <a:ext cx="4773335" cy="369332"/>
           </a:xfrm>
           <a:prstGeom prst="rect">
@@ -9587,7 +9604,7 @@
           <a:p>
             <a:r>
               <a:rPr lang="en-GB" dirty="0"/>
-              <a:t>https://github.com/rjdemetra</a:t>
+              <a:t>https://github.com/rjdverse</a:t>
             </a:r>
           </a:p>
         </p:txBody>
@@ -10071,6 +10088,155 @@
           <a:xfrm rot="10800000" flipV="1">
             <a:off x="6229928" y="2663294"/>
             <a:ext cx="1038789" cy="468156"/>
+          </a:xfrm>
+          <a:prstGeom prst="bentConnector3">
+            <a:avLst>
+              <a:gd name="adj1" fmla="val 50000"/>
+            </a:avLst>
+          </a:prstGeom>
+          <a:ln>
+            <a:tailEnd type="triangle"/>
+          </a:ln>
+        </p:spPr>
+        <p:style>
+          <a:lnRef idx="3">
+            <a:schemeClr val="dk1"/>
+          </a:lnRef>
+          <a:fillRef idx="0">
+            <a:schemeClr val="dk1"/>
+          </a:fillRef>
+          <a:effectRef idx="2">
+            <a:schemeClr val="dk1"/>
+          </a:effectRef>
+          <a:fontRef idx="minor">
+            <a:schemeClr val="tx1"/>
+          </a:fontRef>
+        </p:style>
+      </p:cxnSp>
+      <p:sp>
+        <p:nvSpPr>
+          <p:cNvPr id="9" name="Rectangle: Rounded Corners 30">
+            <a:extLst>
+              <a:ext uri="{FF2B5EF4-FFF2-40B4-BE49-F238E27FC236}">
+                <a16:creationId xmlns:a16="http://schemas.microsoft.com/office/drawing/2014/main" id="{47F8E916-3889-A783-CE14-5A9BE7AE4B25}"/>
+              </a:ext>
+            </a:extLst>
+          </p:cNvPr>
+          <p:cNvSpPr/>
+          <p:nvPr/>
+        </p:nvSpPr>
+        <p:spPr>
+          <a:xfrm>
+            <a:off x="6543980" y="3651489"/>
+            <a:ext cx="2508308" cy="379602"/>
+          </a:xfrm>
+          <a:prstGeom prst="roundRect">
+            <a:avLst/>
+          </a:prstGeom>
+          <a:solidFill>
+            <a:schemeClr val="accent3"/>
+          </a:solidFill>
+          <a:ln>
+            <a:solidFill>
+              <a:schemeClr val="bg1"/>
+            </a:solidFill>
+          </a:ln>
+        </p:spPr>
+        <p:style>
+          <a:lnRef idx="2">
+            <a:schemeClr val="accent2">
+              <a:shade val="50000"/>
+            </a:schemeClr>
+          </a:lnRef>
+          <a:fillRef idx="1">
+            <a:schemeClr val="accent2"/>
+          </a:fillRef>
+          <a:effectRef idx="0">
+            <a:schemeClr val="accent2"/>
+          </a:effectRef>
+          <a:fontRef idx="minor">
+            <a:schemeClr val="lt1"/>
+          </a:fontRef>
+        </p:style>
+        <p:txBody>
+          <a:bodyPr rtlCol="0" anchor="ctr"/>
+          <a:lstStyle/>
+          <a:p>
+            <a:pPr algn="ctr"/>
+            <a:r>
+              <a:rPr lang="en-GB" dirty="0">
+                <a:solidFill>
+                  <a:schemeClr val="bg1"/>
+                </a:solidFill>
+              </a:rPr>
+              <a:t>rjd3filters</a:t>
+            </a:r>
+          </a:p>
+        </p:txBody>
+      </p:sp>
+      <p:cxnSp>
+        <p:nvCxnSpPr>
+          <p:cNvPr id="11" name="Connector: Elbow 97">
+            <a:extLst>
+              <a:ext uri="{FF2B5EF4-FFF2-40B4-BE49-F238E27FC236}">
+                <a16:creationId xmlns:a16="http://schemas.microsoft.com/office/drawing/2014/main" id="{24767A32-A4F2-629F-AFA3-96D43C6CCBAC}"/>
+              </a:ext>
+            </a:extLst>
+          </p:cNvPr>
+          <p:cNvCxnSpPr>
+            <a:cxnSpLocks/>
+            <a:stCxn id="9" idx="1"/>
+            <a:endCxn id="4" idx="2"/>
+          </p:cNvCxnSpPr>
+          <p:nvPr/>
+        </p:nvCxnSpPr>
+        <p:spPr>
+          <a:xfrm rot="10800000">
+            <a:off x="5387142" y="3623334"/>
+            <a:ext cx="1156838" cy="217957"/>
+          </a:xfrm>
+          <a:prstGeom prst="bentConnector2">
+            <a:avLst/>
+          </a:prstGeom>
+          <a:ln>
+            <a:tailEnd type="triangle"/>
+          </a:ln>
+        </p:spPr>
+        <p:style>
+          <a:lnRef idx="3">
+            <a:schemeClr val="dk1"/>
+          </a:lnRef>
+          <a:fillRef idx="0">
+            <a:schemeClr val="dk1"/>
+          </a:fillRef>
+          <a:effectRef idx="2">
+            <a:schemeClr val="dk1"/>
+          </a:effectRef>
+          <a:fontRef idx="minor">
+            <a:schemeClr val="tx1"/>
+          </a:fontRef>
+        </p:style>
+      </p:cxnSp>
+      <p:cxnSp>
+        <p:nvCxnSpPr>
+          <p:cNvPr id="41" name="Connector: Elbow 156">
+            <a:extLst>
+              <a:ext uri="{FF2B5EF4-FFF2-40B4-BE49-F238E27FC236}">
+                <a16:creationId xmlns:a16="http://schemas.microsoft.com/office/drawing/2014/main" id="{5FBC906D-0FD2-083B-220D-F87CD8DD8844}"/>
+              </a:ext>
+            </a:extLst>
+          </p:cNvPr>
+          <p:cNvCxnSpPr>
+            <a:cxnSpLocks/>
+            <a:stCxn id="29" idx="1"/>
+            <a:endCxn id="4" idx="3"/>
+          </p:cNvCxnSpPr>
+          <p:nvPr/>
+        </p:nvCxnSpPr>
+        <p:spPr>
+          <a:xfrm rot="10800000">
+            <a:off x="6229928" y="3131451"/>
+            <a:ext cx="1038789" cy="107749"/>
           </a:xfrm>
           <a:prstGeom prst="bentConnector3">
             <a:avLst>
@@ -10505,61 +10671,12 @@
           </a:p>
         </p:txBody>
       </p:sp>
-      <p:sp>
-        <p:nvSpPr>
-          <p:cNvPr id="34" name="Rectangle 33">
-            <a:extLst>
-              <a:ext uri="{FF2B5EF4-FFF2-40B4-BE49-F238E27FC236}">
-                <a16:creationId xmlns:a16="http://schemas.microsoft.com/office/drawing/2014/main" id="{2839EB27-ACC9-4156-8E48-C737B2B8B75B}"/>
-              </a:ext>
-            </a:extLst>
-          </p:cNvPr>
-          <p:cNvSpPr/>
-          <p:nvPr/>
-        </p:nvSpPr>
-        <p:spPr>
-          <a:xfrm>
-            <a:off x="2957804" y="5599153"/>
-            <a:ext cx="2341984" cy="583163"/>
-          </a:xfrm>
-          <a:prstGeom prst="rect">
-            <a:avLst/>
-          </a:prstGeom>
-        </p:spPr>
-        <p:style>
-          <a:lnRef idx="2">
-            <a:schemeClr val="accent3">
-              <a:shade val="50000"/>
-            </a:schemeClr>
-          </a:lnRef>
-          <a:fillRef idx="1">
-            <a:schemeClr val="accent3"/>
-          </a:fillRef>
-          <a:effectRef idx="0">
-            <a:schemeClr val="accent3"/>
-          </a:effectRef>
-          <a:fontRef idx="minor">
-            <a:schemeClr val="lt1"/>
-          </a:fontRef>
-        </p:style>
-        <p:txBody>
-          <a:bodyPr rtlCol="0" anchor="ctr"/>
-          <a:lstStyle/>
-          <a:p>
-            <a:pPr algn="ctr"/>
-            <a:r>
-              <a:rPr lang="en-GB" dirty="0"/>
-              <a:t>Description</a:t>
-            </a:r>
-          </a:p>
-        </p:txBody>
-      </p:sp>
       <p:pic>
         <p:nvPicPr>
-          <p:cNvPr id="35" name="Picture 34">
-            <a:extLst>
-              <a:ext uri="{FF2B5EF4-FFF2-40B4-BE49-F238E27FC236}">
-                <a16:creationId xmlns:a16="http://schemas.microsoft.com/office/drawing/2014/main" id="{08D1EC27-B6C8-49E8-A1A3-559F8187AB8B}"/>
+          <p:cNvPr id="38" name="Picture 37">
+            <a:extLst>
+              <a:ext uri="{FF2B5EF4-FFF2-40B4-BE49-F238E27FC236}">
+                <a16:creationId xmlns:a16="http://schemas.microsoft.com/office/drawing/2014/main" id="{162CF78F-E0A9-489E-817D-338D0204297E}"/>
               </a:ext>
             </a:extLst>
           </p:cNvPr>
@@ -10570,43 +10687,6 @@
         </p:nvPicPr>
         <p:blipFill>
           <a:blip r:embed="rId2"/>
-          <a:stretch>
-            <a:fillRect/>
-          </a:stretch>
-        </p:blipFill>
-        <p:spPr>
-          <a:xfrm>
-            <a:off x="8303574" y="3497741"/>
-            <a:ext cx="2638793" cy="1028844"/>
-          </a:xfrm>
-          <a:prstGeom prst="rect">
-            <a:avLst/>
-          </a:prstGeom>
-          <a:ln>
-            <a:solidFill>
-              <a:schemeClr val="accent3">
-                <a:shade val="50000"/>
-              </a:schemeClr>
-            </a:solidFill>
-          </a:ln>
-        </p:spPr>
-      </p:pic>
-      <p:pic>
-        <p:nvPicPr>
-          <p:cNvPr id="38" name="Picture 37">
-            <a:extLst>
-              <a:ext uri="{FF2B5EF4-FFF2-40B4-BE49-F238E27FC236}">
-                <a16:creationId xmlns:a16="http://schemas.microsoft.com/office/drawing/2014/main" id="{162CF78F-E0A9-489E-817D-338D0204297E}"/>
-              </a:ext>
-            </a:extLst>
-          </p:cNvPr>
-          <p:cNvPicPr>
-            <a:picLocks noChangeAspect="1"/>
-          </p:cNvPicPr>
-          <p:nvPr/>
-        </p:nvPicPr>
-        <p:blipFill>
-          <a:blip r:embed="rId3"/>
           <a:stretch>
             <a:fillRect/>
           </a:stretch>
@@ -10671,49 +10751,6 @@
           </a:fontRef>
         </p:style>
       </p:cxnSp>
-      <p:cxnSp>
-        <p:nvCxnSpPr>
-          <p:cNvPr id="41" name="Connector: Elbow 40">
-            <a:extLst>
-              <a:ext uri="{FF2B5EF4-FFF2-40B4-BE49-F238E27FC236}">
-                <a16:creationId xmlns:a16="http://schemas.microsoft.com/office/drawing/2014/main" id="{5824AE74-6105-482E-975B-F4B9B09B1005}"/>
-              </a:ext>
-            </a:extLst>
-          </p:cNvPr>
-          <p:cNvCxnSpPr>
-            <a:cxnSpLocks/>
-            <a:stCxn id="4" idx="2"/>
-            <a:endCxn id="34" idx="1"/>
-          </p:cNvCxnSpPr>
-          <p:nvPr/>
-        </p:nvCxnSpPr>
-        <p:spPr>
-          <a:xfrm rot="16200000" flipH="1">
-            <a:off x="425641" y="3358572"/>
-            <a:ext cx="4482918" cy="581407"/>
-          </a:xfrm>
-          <a:prstGeom prst="bentConnector2">
-            <a:avLst/>
-          </a:prstGeom>
-          <a:ln>
-            <a:tailEnd type="triangle"/>
-          </a:ln>
-        </p:spPr>
-        <p:style>
-          <a:lnRef idx="3">
-            <a:schemeClr val="accent1"/>
-          </a:lnRef>
-          <a:fillRef idx="0">
-            <a:schemeClr val="accent1"/>
-          </a:fillRef>
-          <a:effectRef idx="2">
-            <a:schemeClr val="accent1"/>
-          </a:effectRef>
-          <a:fontRef idx="minor">
-            <a:schemeClr val="tx1"/>
-          </a:fontRef>
-        </p:style>
-      </p:cxnSp>
       <p:pic>
         <p:nvPicPr>
           <p:cNvPr id="47" name="Picture 46">
@@ -10729,7 +10766,7 @@
           <p:nvPr/>
         </p:nvPicPr>
         <p:blipFill>
-          <a:blip r:embed="rId4"/>
+          <a:blip r:embed="rId3"/>
           <a:stretch>
             <a:fillRect/>
           </a:stretch>
@@ -10751,12 +10788,69 @@
           </a:ln>
         </p:spPr>
       </p:pic>
+      <p:sp>
+        <p:nvSpPr>
+          <p:cNvPr id="2" name="Date Placeholder 1">
+            <a:extLst>
+              <a:ext uri="{FF2B5EF4-FFF2-40B4-BE49-F238E27FC236}">
+                <a16:creationId xmlns:a16="http://schemas.microsoft.com/office/drawing/2014/main" id="{4130D4DA-1438-49C9-B9AE-729DE239CA3B}"/>
+              </a:ext>
+            </a:extLst>
+          </p:cNvPr>
+          <p:cNvSpPr>
+            <a:spLocks noGrp="1"/>
+          </p:cNvSpPr>
+          <p:nvPr>
+            <p:ph type="dt" sz="half" idx="10"/>
+          </p:nvPr>
+        </p:nvSpPr>
+        <p:spPr/>
+        <p:txBody>
+          <a:bodyPr/>
+          <a:lstStyle/>
+          <a:p>
+            <a:r>
+              <a:rPr lang="en-US"/>
+              <a:t>15-17/10/2024</a:t>
+            </a:r>
+            <a:endParaRPr lang="en-GB"/>
+          </a:p>
+        </p:txBody>
+      </p:sp>
+      <p:sp>
+        <p:nvSpPr>
+          <p:cNvPr id="3" name="Footer Placeholder 2">
+            <a:extLst>
+              <a:ext uri="{FF2B5EF4-FFF2-40B4-BE49-F238E27FC236}">
+                <a16:creationId xmlns:a16="http://schemas.microsoft.com/office/drawing/2014/main" id="{8450F618-BFB1-4157-845D-53DFB348F0CE}"/>
+              </a:ext>
+            </a:extLst>
+          </p:cNvPr>
+          <p:cNvSpPr>
+            <a:spLocks noGrp="1"/>
+          </p:cNvSpPr>
+          <p:nvPr>
+            <p:ph type="ftr" sz="quarter" idx="11"/>
+          </p:nvPr>
+        </p:nvSpPr>
+        <p:spPr/>
+        <p:txBody>
+          <a:bodyPr/>
+          <a:lstStyle/>
+          <a:p>
+            <a:r>
+              <a:rPr lang="en-GB"/>
+              <a:t>CONTRACTORS ORGANISING SOME OF THE COURSES ARE ACTING UNDER A FRAMEWORK CONTRACT CONCLUDED WITH THE COMMISSION</a:t>
+            </a:r>
+          </a:p>
+        </p:txBody>
+      </p:sp>
       <p:pic>
         <p:nvPicPr>
-          <p:cNvPr id="7" name="Picture 6">
-            <a:extLst>
-              <a:ext uri="{FF2B5EF4-FFF2-40B4-BE49-F238E27FC236}">
-                <a16:creationId xmlns:a16="http://schemas.microsoft.com/office/drawing/2014/main" id="{C989EA15-5FBD-4C32-9869-591FDABE8D90}"/>
+          <p:cNvPr id="11" name="Image 10">
+            <a:extLst>
+              <a:ext uri="{FF2B5EF4-FFF2-40B4-BE49-F238E27FC236}">
+                <a16:creationId xmlns:a16="http://schemas.microsoft.com/office/drawing/2014/main" id="{712675D2-846A-727F-6DDA-FBB241AF1E08}"/>
               </a:ext>
             </a:extLst>
           </p:cNvPr>
@@ -10766,15 +10860,15 @@
           <p:nvPr/>
         </p:nvPicPr>
         <p:blipFill>
-          <a:blip r:embed="rId5"/>
+          <a:blip r:embed="rId4"/>
           <a:stretch>
             <a:fillRect/>
           </a:stretch>
         </p:blipFill>
         <p:spPr>
           <a:xfrm>
-            <a:off x="5521101" y="5599153"/>
-            <a:ext cx="1949900" cy="1097585"/>
+            <a:off x="8303574" y="3601355"/>
+            <a:ext cx="2619741" cy="1190791"/>
           </a:xfrm>
           <a:prstGeom prst="rect">
             <a:avLst/>
@@ -10786,63 +10880,6 @@
           </a:ln>
         </p:spPr>
       </p:pic>
-      <p:sp>
-        <p:nvSpPr>
-          <p:cNvPr id="2" name="Date Placeholder 1">
-            <a:extLst>
-              <a:ext uri="{FF2B5EF4-FFF2-40B4-BE49-F238E27FC236}">
-                <a16:creationId xmlns:a16="http://schemas.microsoft.com/office/drawing/2014/main" id="{4130D4DA-1438-49C9-B9AE-729DE239CA3B}"/>
-              </a:ext>
-            </a:extLst>
-          </p:cNvPr>
-          <p:cNvSpPr>
-            <a:spLocks noGrp="1"/>
-          </p:cNvSpPr>
-          <p:nvPr>
-            <p:ph type="dt" sz="half" idx="10"/>
-          </p:nvPr>
-        </p:nvSpPr>
-        <p:spPr/>
-        <p:txBody>
-          <a:bodyPr/>
-          <a:lstStyle/>
-          <a:p>
-            <a:r>
-              <a:rPr lang="en-US"/>
-              <a:t>15-17/10/2024</a:t>
-            </a:r>
-            <a:endParaRPr lang="en-GB"/>
-          </a:p>
-        </p:txBody>
-      </p:sp>
-      <p:sp>
-        <p:nvSpPr>
-          <p:cNvPr id="3" name="Footer Placeholder 2">
-            <a:extLst>
-              <a:ext uri="{FF2B5EF4-FFF2-40B4-BE49-F238E27FC236}">
-                <a16:creationId xmlns:a16="http://schemas.microsoft.com/office/drawing/2014/main" id="{8450F618-BFB1-4157-845D-53DFB348F0CE}"/>
-              </a:ext>
-            </a:extLst>
-          </p:cNvPr>
-          <p:cNvSpPr>
-            <a:spLocks noGrp="1"/>
-          </p:cNvSpPr>
-          <p:nvPr>
-            <p:ph type="ftr" sz="quarter" idx="11"/>
-          </p:nvPr>
-        </p:nvSpPr>
-        <p:spPr/>
-        <p:txBody>
-          <a:bodyPr/>
-          <a:lstStyle/>
-          <a:p>
-            <a:r>
-              <a:rPr lang="en-GB"/>
-              <a:t>CONTRACTORS ORGANISING SOME OF THE COURSES ARE ACTING UNDER A FRAMEWORK CONTRACT CONCLUDED WITH THE COMMISSION</a:t>
-            </a:r>
-          </a:p>
-        </p:txBody>
-      </p:sp>
     </p:spTree>
     <p:extLst>
       <p:ext uri="{BB962C8B-B14F-4D97-AF65-F5344CB8AC3E}">
@@ -11347,7 +11384,7 @@
             </a:r>
             <a:r>
               <a:rPr lang="fr-BE" dirty="0"/>
-              <a:t>/rjd3toolkit@*release")</a:t>
+              <a:t>/rjd3workspace@*release")</a:t>
             </a:r>
           </a:p>
         </p:txBody>
@@ -11411,10 +11448,10 @@
       </p:sp>
       <p:pic>
         <p:nvPicPr>
-          <p:cNvPr id="7" name="Picture 6">
-            <a:extLst>
-              <a:ext uri="{FF2B5EF4-FFF2-40B4-BE49-F238E27FC236}">
-                <a16:creationId xmlns:a16="http://schemas.microsoft.com/office/drawing/2014/main" id="{D67D6914-3186-CF44-641F-693B167E1BDB}"/>
+          <p:cNvPr id="13" name="Image 12">
+            <a:extLst>
+              <a:ext uri="{FF2B5EF4-FFF2-40B4-BE49-F238E27FC236}">
+                <a16:creationId xmlns:a16="http://schemas.microsoft.com/office/drawing/2014/main" id="{81DAD5C2-2D33-1185-4020-86A5C6F426A3}"/>
               </a:ext>
             </a:extLst>
           </p:cNvPr>
@@ -11431,8 +11468,8 @@
         </p:blipFill>
         <p:spPr>
           <a:xfrm>
-            <a:off x="2209800" y="2297083"/>
-            <a:ext cx="3228610" cy="719168"/>
+            <a:off x="2209800" y="2199402"/>
+            <a:ext cx="3970399" cy="719167"/>
           </a:xfrm>
           <a:prstGeom prst="rect">
             <a:avLst/>
@@ -11441,10 +11478,10 @@
       </p:pic>
       <p:pic>
         <p:nvPicPr>
-          <p:cNvPr id="11" name="Picture 10">
-            <a:extLst>
-              <a:ext uri="{FF2B5EF4-FFF2-40B4-BE49-F238E27FC236}">
-                <a16:creationId xmlns:a16="http://schemas.microsoft.com/office/drawing/2014/main" id="{E46CA871-9492-FEAC-1AF1-5325C0379B1D}"/>
+          <p:cNvPr id="15" name="Image 14">
+            <a:extLst>
+              <a:ext uri="{FF2B5EF4-FFF2-40B4-BE49-F238E27FC236}">
+                <a16:creationId xmlns:a16="http://schemas.microsoft.com/office/drawing/2014/main" id="{E6873EC0-00B5-B604-BA85-4C57CB35062F}"/>
               </a:ext>
             </a:extLst>
           </p:cNvPr>
@@ -11461,8 +11498,38 @@
         </p:blipFill>
         <p:spPr>
           <a:xfrm>
-            <a:off x="2209800" y="3622646"/>
-            <a:ext cx="6066024" cy="719168"/>
+            <a:off x="882584" y="3591629"/>
+            <a:ext cx="5397631" cy="915888"/>
+          </a:xfrm>
+          <a:prstGeom prst="rect">
+            <a:avLst/>
+          </a:prstGeom>
+        </p:spPr>
+      </p:pic>
+      <p:pic>
+        <p:nvPicPr>
+          <p:cNvPr id="17" name="Image 16">
+            <a:extLst>
+              <a:ext uri="{FF2B5EF4-FFF2-40B4-BE49-F238E27FC236}">
+                <a16:creationId xmlns:a16="http://schemas.microsoft.com/office/drawing/2014/main" id="{18639300-52E3-F85D-CA72-4F072E184057}"/>
+              </a:ext>
+            </a:extLst>
+          </p:cNvPr>
+          <p:cNvPicPr>
+            <a:picLocks noChangeAspect="1"/>
+          </p:cNvPicPr>
+          <p:nvPr/>
+        </p:nvPicPr>
+        <p:blipFill>
+          <a:blip r:embed="rId4"/>
+          <a:stretch>
+            <a:fillRect/>
+          </a:stretch>
+        </p:blipFill>
+        <p:spPr>
+          <a:xfrm>
+            <a:off x="8398542" y="3591629"/>
+            <a:ext cx="3168685" cy="739077"/>
           </a:xfrm>
           <a:prstGeom prst="rect">
             <a:avLst/>
@@ -11563,116 +11630,9 @@
         <p:spPr/>
         <p:txBody>
           <a:bodyPr>
-            <a:normAutofit lnSpcReduction="10000"/>
+            <a:normAutofit/>
           </a:bodyPr>
           <a:lstStyle/>
-          <a:p>
-            <a:r>
-              <a:rPr lang="fr-BE" b="1" dirty="0" err="1"/>
-              <a:t>remotes</a:t>
-            </a:r>
-            <a:r>
-              <a:rPr lang="fr-BE" b="1" dirty="0"/>
-              <a:t>::</a:t>
-            </a:r>
-            <a:r>
-              <a:rPr lang="fr-BE" b="1" dirty="0" err="1"/>
-              <a:t>install_github</a:t>
-            </a:r>
-            <a:r>
-              <a:rPr lang="fr-BE" b="1" dirty="0"/>
-              <a:t>("</a:t>
-            </a:r>
-            <a:r>
-              <a:rPr lang="fr-BE" b="1" dirty="0" err="1"/>
-              <a:t>rjdverse</a:t>
-            </a:r>
-            <a:r>
-              <a:rPr lang="fr-BE" b="1" dirty="0"/>
-              <a:t>/rjd3tramoseats@*release")</a:t>
-            </a:r>
-          </a:p>
-          <a:p>
-            <a:r>
-              <a:rPr lang="fr-BE" b="1" dirty="0" err="1"/>
-              <a:t>remotes</a:t>
-            </a:r>
-            <a:r>
-              <a:rPr lang="fr-BE" b="1" dirty="0"/>
-              <a:t>::</a:t>
-            </a:r>
-            <a:r>
-              <a:rPr lang="fr-BE" b="1" dirty="0" err="1"/>
-              <a:t>install_github</a:t>
-            </a:r>
-            <a:r>
-              <a:rPr lang="fr-BE" b="1" dirty="0"/>
-              <a:t>("</a:t>
-            </a:r>
-            <a:r>
-              <a:rPr lang="fr-BE" b="1" dirty="0" err="1"/>
-              <a:t>rjdverse</a:t>
-            </a:r>
-            <a:r>
-              <a:rPr lang="fr-BE" b="1" dirty="0"/>
-              <a:t>/rjd3x13@*release")</a:t>
-            </a:r>
-          </a:p>
-          <a:p>
-            <a:r>
-              <a:rPr lang="fr-BE" dirty="0" err="1"/>
-              <a:t>remotes</a:t>
-            </a:r>
-            <a:r>
-              <a:rPr lang="fr-BE" dirty="0"/>
-              <a:t>::</a:t>
-            </a:r>
-            <a:r>
-              <a:rPr lang="fr-BE" dirty="0" err="1"/>
-              <a:t>install_github</a:t>
-            </a:r>
-            <a:r>
-              <a:rPr lang="fr-BE" dirty="0"/>
-              <a:t>("</a:t>
-            </a:r>
-            <a:r>
-              <a:rPr lang="fr-BE" dirty="0" err="1"/>
-              <a:t>rjdverse</a:t>
-            </a:r>
-            <a:r>
-              <a:rPr lang="fr-BE" dirty="0"/>
-              <a:t>/rjd3providers@*release")</a:t>
-            </a:r>
-          </a:p>
-          <a:p>
-            <a:r>
-              <a:rPr lang="fr-BE" dirty="0" err="1"/>
-              <a:t>remotes</a:t>
-            </a:r>
-            <a:r>
-              <a:rPr lang="fr-BE" dirty="0"/>
-              <a:t>::</a:t>
-            </a:r>
-            <a:r>
-              <a:rPr lang="fr-BE" dirty="0" err="1"/>
-              <a:t>install_github</a:t>
-            </a:r>
-            <a:r>
-              <a:rPr lang="fr-BE" dirty="0"/>
-              <a:t>("</a:t>
-            </a:r>
-            <a:r>
-              <a:rPr lang="fr-BE" dirty="0" err="1"/>
-              <a:t>rjdverse</a:t>
-            </a:r>
-            <a:r>
-              <a:rPr lang="fr-BE" dirty="0"/>
-              <a:t>/rjd3workspace@*release")</a:t>
-            </a:r>
-          </a:p>
-          <a:p>
-            <a:endParaRPr lang="fr-BE" dirty="0"/>
-          </a:p>
           <a:p>
             <a:r>
               <a:rPr lang="fr-BE" i="1" dirty="0" err="1"/>
